--- a/Train/Subject(Database)/DataBase2.pptx
+++ b/Train/Subject(Database)/DataBase2.pptx
@@ -52877,16 +52877,58 @@
           <a:p>
             <a:r>
               <a:rPr lang="zh-CN" altLang="en-US" dirty="0" smtClean="0"/>
-              <a:t>组织文化：避免趋利化、狭隘化、避免技能不</a:t>
+              <a:t>组织文</a:t>
             </a:r>
             <a:r>
               <a:rPr lang="zh-CN" altLang="en-US" dirty="0" smtClean="0"/>
-              <a:t>足</a:t>
+              <a:t>化</a:t>
+            </a:r>
+            <a:endParaRPr lang="en-US" altLang="zh-CN" dirty="0" smtClean="0"/>
+          </a:p>
+          <a:p>
+            <a:pPr lvl="1"/>
+            <a:r>
+              <a:rPr lang="zh-CN" altLang="en-US" dirty="0" smtClean="0"/>
+              <a:t>避</a:t>
             </a:r>
             <a:r>
               <a:rPr lang="zh-CN" altLang="en-US" dirty="0" smtClean="0"/>
-              <a:t>、避免做事应付</a:t>
+              <a:t>免趋利化、狭隘化、避免技能不足、避免做事应</a:t>
             </a:r>
+            <a:r>
+              <a:rPr lang="zh-CN" altLang="en-US" dirty="0" smtClean="0"/>
+              <a:t>付</a:t>
+            </a:r>
+            <a:endParaRPr lang="en-US" altLang="zh-CN" dirty="0" smtClean="0"/>
+          </a:p>
+          <a:p>
+            <a:pPr lvl="1"/>
+            <a:r>
+              <a:rPr lang="zh-CN" altLang="en-US" dirty="0"/>
+              <a:t>坦</a:t>
+            </a:r>
+            <a:r>
+              <a:rPr lang="zh-CN" altLang="en-US" dirty="0" smtClean="0"/>
+              <a:t>诚互助、积极主动、</a:t>
+            </a:r>
+            <a:endParaRPr lang="en-US" altLang="zh-CN" dirty="0"/>
+          </a:p>
+          <a:p>
+            <a:r>
+              <a:rPr lang="zh-CN" altLang="en-US" dirty="0" smtClean="0"/>
+              <a:t>否则不能拿到</a:t>
+            </a:r>
+            <a:r>
+              <a:rPr lang="en-US" altLang="zh-CN" dirty="0" smtClean="0"/>
+              <a:t>CVT</a:t>
+            </a:r>
+            <a:r>
+              <a:rPr lang="zh-CN" altLang="en-US" dirty="0" smtClean="0"/>
+              <a:t>的实习证明</a:t>
+            </a:r>
+            <a:endParaRPr lang="en-US" altLang="zh-CN" dirty="0" smtClean="0"/>
+          </a:p>
+          <a:p>
             <a:endParaRPr lang="en-US" altLang="zh-CN" dirty="0" smtClean="0"/>
           </a:p>
           <a:p>
